--- a/1/_2_4 Терминология организации мозга.pptx
+++ b/1/_2_4 Терминология организации мозга.pptx
@@ -19,6 +19,11 @@
     <p:sldId id="291" r:id="rId13"/>
     <p:sldId id="292" r:id="rId14"/>
     <p:sldId id="293" r:id="rId15"/>
+    <p:sldId id="294" r:id="rId16"/>
+    <p:sldId id="295" r:id="rId17"/>
+    <p:sldId id="296" r:id="rId18"/>
+    <p:sldId id="297" r:id="rId19"/>
+    <p:sldId id="298" r:id="rId20"/>
   </p:sldIdLst>
   <p:sldSz cx="12192000" cy="6858000"/>
   <p:notesSz cx="6858000" cy="9144000"/>
@@ -284,7 +289,7 @@
           <a:p>
             <a:fld id="{30A95110-85B8-4301-B13B-F280A06B402E}" type="datetimeFigureOut">
               <a:rPr lang="ru-RU" smtClean="0"/>
-              <a:t>13.08.2021</a:t>
+              <a:t>20.08.2021</a:t>
             </a:fld>
             <a:endParaRPr lang="ru-RU"/>
           </a:p>
@@ -482,7 +487,7 @@
           <a:p>
             <a:fld id="{30A95110-85B8-4301-B13B-F280A06B402E}" type="datetimeFigureOut">
               <a:rPr lang="ru-RU" smtClean="0"/>
-              <a:t>13.08.2021</a:t>
+              <a:t>20.08.2021</a:t>
             </a:fld>
             <a:endParaRPr lang="ru-RU"/>
           </a:p>
@@ -690,7 +695,7 @@
           <a:p>
             <a:fld id="{30A95110-85B8-4301-B13B-F280A06B402E}" type="datetimeFigureOut">
               <a:rPr lang="ru-RU" smtClean="0"/>
-              <a:t>13.08.2021</a:t>
+              <a:t>20.08.2021</a:t>
             </a:fld>
             <a:endParaRPr lang="ru-RU"/>
           </a:p>
@@ -888,7 +893,7 @@
           <a:p>
             <a:fld id="{30A95110-85B8-4301-B13B-F280A06B402E}" type="datetimeFigureOut">
               <a:rPr lang="ru-RU" smtClean="0"/>
-              <a:t>13.08.2021</a:t>
+              <a:t>20.08.2021</a:t>
             </a:fld>
             <a:endParaRPr lang="ru-RU"/>
           </a:p>
@@ -1163,7 +1168,7 @@
           <a:p>
             <a:fld id="{30A95110-85B8-4301-B13B-F280A06B402E}" type="datetimeFigureOut">
               <a:rPr lang="ru-RU" smtClean="0"/>
-              <a:t>13.08.2021</a:t>
+              <a:t>20.08.2021</a:t>
             </a:fld>
             <a:endParaRPr lang="ru-RU"/>
           </a:p>
@@ -1428,7 +1433,7 @@
           <a:p>
             <a:fld id="{30A95110-85B8-4301-B13B-F280A06B402E}" type="datetimeFigureOut">
               <a:rPr lang="ru-RU" smtClean="0"/>
-              <a:t>13.08.2021</a:t>
+              <a:t>20.08.2021</a:t>
             </a:fld>
             <a:endParaRPr lang="ru-RU"/>
           </a:p>
@@ -1840,7 +1845,7 @@
           <a:p>
             <a:fld id="{30A95110-85B8-4301-B13B-F280A06B402E}" type="datetimeFigureOut">
               <a:rPr lang="ru-RU" smtClean="0"/>
-              <a:t>13.08.2021</a:t>
+              <a:t>20.08.2021</a:t>
             </a:fld>
             <a:endParaRPr lang="ru-RU"/>
           </a:p>
@@ -1981,7 +1986,7 @@
           <a:p>
             <a:fld id="{30A95110-85B8-4301-B13B-F280A06B402E}" type="datetimeFigureOut">
               <a:rPr lang="ru-RU" smtClean="0"/>
-              <a:t>13.08.2021</a:t>
+              <a:t>20.08.2021</a:t>
             </a:fld>
             <a:endParaRPr lang="ru-RU"/>
           </a:p>
@@ -2094,7 +2099,7 @@
           <a:p>
             <a:fld id="{30A95110-85B8-4301-B13B-F280A06B402E}" type="datetimeFigureOut">
               <a:rPr lang="ru-RU" smtClean="0"/>
-              <a:t>13.08.2021</a:t>
+              <a:t>20.08.2021</a:t>
             </a:fld>
             <a:endParaRPr lang="ru-RU"/>
           </a:p>
@@ -2405,7 +2410,7 @@
           <a:p>
             <a:fld id="{30A95110-85B8-4301-B13B-F280A06B402E}" type="datetimeFigureOut">
               <a:rPr lang="ru-RU" smtClean="0"/>
-              <a:t>13.08.2021</a:t>
+              <a:t>20.08.2021</a:t>
             </a:fld>
             <a:endParaRPr lang="ru-RU"/>
           </a:p>
@@ -2693,7 +2698,7 @@
           <a:p>
             <a:fld id="{30A95110-85B8-4301-B13B-F280A06B402E}" type="datetimeFigureOut">
               <a:rPr lang="ru-RU" smtClean="0"/>
-              <a:t>13.08.2021</a:t>
+              <a:t>20.08.2021</a:t>
             </a:fld>
             <a:endParaRPr lang="ru-RU"/>
           </a:p>
@@ -2934,7 +2939,7 @@
           <a:p>
             <a:fld id="{30A95110-85B8-4301-B13B-F280A06B402E}" type="datetimeFigureOut">
               <a:rPr lang="ru-RU" smtClean="0"/>
-              <a:t>13.08.2021</a:t>
+              <a:t>20.08.2021</a:t>
             </a:fld>
             <a:endParaRPr lang="ru-RU"/>
           </a:p>
@@ -4518,6 +4523,849 @@
 </p:sld>
 </file>
 
+<file path=ppt/slides/slide15.xml><?xml version="1.0" encoding="utf-8"?>
+<p:sld xmlns:a="http://schemas.openxmlformats.org/drawingml/2006/main" xmlns:r="http://schemas.openxmlformats.org/officeDocument/2006/relationships" xmlns:p="http://schemas.openxmlformats.org/presentationml/2006/main">
+  <p:cSld>
+    <p:spTree>
+      <p:nvGrpSpPr>
+        <p:cNvPr id="1" name=""/>
+        <p:cNvGrpSpPr/>
+        <p:nvPr/>
+      </p:nvGrpSpPr>
+      <p:grpSpPr>
+        <a:xfrm>
+          <a:off x="0" y="0"/>
+          <a:ext cx="0" cy="0"/>
+          <a:chOff x="0" y="0"/>
+          <a:chExt cx="0" cy="0"/>
+        </a:xfrm>
+      </p:grpSpPr>
+      <p:sp>
+        <p:nvSpPr>
+          <p:cNvPr id="2" name="Заголовок 1">
+            <a:extLst>
+              <a:ext uri="{FF2B5EF4-FFF2-40B4-BE49-F238E27FC236}">
+                <a16:creationId xmlns:a16="http://schemas.microsoft.com/office/drawing/2014/main" id="{31447645-F61E-40D5-8820-63C2EABA0EBB}"/>
+              </a:ext>
+            </a:extLst>
+          </p:cNvPr>
+          <p:cNvSpPr>
+            <a:spLocks noGrp="1"/>
+          </p:cNvSpPr>
+          <p:nvPr>
+            <p:ph type="title"/>
+          </p:nvPr>
+        </p:nvSpPr>
+        <p:spPr/>
+        <p:txBody>
+          <a:bodyPr/>
+          <a:lstStyle/>
+          <a:p>
+            <a:r>
+              <a:rPr lang="ru-RU" dirty="0"/>
+              <a:t>Вопрос</a:t>
+            </a:r>
+          </a:p>
+        </p:txBody>
+      </p:sp>
+      <p:pic>
+        <p:nvPicPr>
+          <p:cNvPr id="5" name="Рисунок 4">
+            <a:extLst>
+              <a:ext uri="{FF2B5EF4-FFF2-40B4-BE49-F238E27FC236}">
+                <a16:creationId xmlns:a16="http://schemas.microsoft.com/office/drawing/2014/main" id="{68BE21DC-C81E-41E2-BE46-130FAEC8E84B}"/>
+              </a:ext>
+            </a:extLst>
+          </p:cNvPr>
+          <p:cNvPicPr>
+            <a:picLocks noChangeAspect="1"/>
+          </p:cNvPicPr>
+          <p:nvPr/>
+        </p:nvPicPr>
+        <p:blipFill>
+          <a:blip r:embed="rId2"/>
+          <a:stretch>
+            <a:fillRect/>
+          </a:stretch>
+        </p:blipFill>
+        <p:spPr>
+          <a:xfrm>
+            <a:off x="4109760" y="1990524"/>
+            <a:ext cx="3972479" cy="2876951"/>
+          </a:xfrm>
+          <a:prstGeom prst="rect">
+            <a:avLst/>
+          </a:prstGeom>
+        </p:spPr>
+      </p:pic>
+      <p:sp>
+        <p:nvSpPr>
+          <p:cNvPr id="7" name="TextBox 6">
+            <a:extLst>
+              <a:ext uri="{FF2B5EF4-FFF2-40B4-BE49-F238E27FC236}">
+                <a16:creationId xmlns:a16="http://schemas.microsoft.com/office/drawing/2014/main" id="{F8EA466F-F75E-4FB0-937E-E8BDCDA1C11C}"/>
+              </a:ext>
+            </a:extLst>
+          </p:cNvPr>
+          <p:cNvSpPr txBox="1"/>
+          <p:nvPr/>
+        </p:nvSpPr>
+        <p:spPr>
+          <a:xfrm>
+            <a:off x="3701643" y="1621192"/>
+            <a:ext cx="6094602" cy="369332"/>
+          </a:xfrm>
+          <a:prstGeom prst="rect">
+            <a:avLst/>
+          </a:prstGeom>
+          <a:noFill/>
+        </p:spPr>
+        <p:txBody>
+          <a:bodyPr wrap="square">
+            <a:spAutoFit/>
+          </a:bodyPr>
+          <a:lstStyle/>
+          <a:p>
+            <a:r>
+              <a:rPr lang="ru-RU" b="0" i="0" dirty="0">
+                <a:solidFill>
+                  <a:srgbClr val="373A3C"/>
+                </a:solidFill>
+                <a:effectLst/>
+                <a:latin typeface="OpenSans"/>
+              </a:rPr>
+              <a:t>Какая часть собаки считается хвостовой? </a:t>
+            </a:r>
+            <a:endParaRPr lang="ru-RU" dirty="0"/>
+          </a:p>
+        </p:txBody>
+      </p:sp>
+      <p:pic>
+        <p:nvPicPr>
+          <p:cNvPr id="9" name="Рисунок 8">
+            <a:extLst>
+              <a:ext uri="{FF2B5EF4-FFF2-40B4-BE49-F238E27FC236}">
+                <a16:creationId xmlns:a16="http://schemas.microsoft.com/office/drawing/2014/main" id="{E38CFB75-08EA-4AF9-8142-4EFD128B5A85}"/>
+              </a:ext>
+            </a:extLst>
+          </p:cNvPr>
+          <p:cNvPicPr>
+            <a:picLocks noChangeAspect="1"/>
+          </p:cNvPicPr>
+          <p:nvPr/>
+        </p:nvPicPr>
+        <p:blipFill>
+          <a:blip r:embed="rId3"/>
+          <a:stretch>
+            <a:fillRect/>
+          </a:stretch>
+        </p:blipFill>
+        <p:spPr>
+          <a:xfrm>
+            <a:off x="3432330" y="5016294"/>
+            <a:ext cx="6115904" cy="1476581"/>
+          </a:xfrm>
+          <a:prstGeom prst="rect">
+            <a:avLst/>
+          </a:prstGeom>
+        </p:spPr>
+      </p:pic>
+      <p:sp>
+        <p:nvSpPr>
+          <p:cNvPr id="10" name="TextBox 9">
+            <a:extLst>
+              <a:ext uri="{FF2B5EF4-FFF2-40B4-BE49-F238E27FC236}">
+                <a16:creationId xmlns:a16="http://schemas.microsoft.com/office/drawing/2014/main" id="{3DA10545-5D39-4F8F-86A6-FC8468F143F5}"/>
+              </a:ext>
+            </a:extLst>
+          </p:cNvPr>
+          <p:cNvSpPr txBox="1"/>
+          <p:nvPr/>
+        </p:nvSpPr>
+        <p:spPr>
+          <a:xfrm>
+            <a:off x="3725684" y="5754584"/>
+            <a:ext cx="997057" cy="307777"/>
+          </a:xfrm>
+          <a:prstGeom prst="rect">
+            <a:avLst/>
+          </a:prstGeom>
+          <a:solidFill>
+            <a:schemeClr val="bg1"/>
+          </a:solidFill>
+        </p:spPr>
+        <p:txBody>
+          <a:bodyPr wrap="square" rtlCol="0">
+            <a:spAutoFit/>
+          </a:bodyPr>
+          <a:lstStyle/>
+          <a:p>
+            <a:r>
+              <a:rPr lang="ru-RU" sz="1400" dirty="0">
+                <a:solidFill>
+                  <a:srgbClr val="8E9091"/>
+                </a:solidFill>
+              </a:rPr>
+              <a:t>Грудь</a:t>
+            </a:r>
+          </a:p>
+        </p:txBody>
+      </p:sp>
+    </p:spTree>
+    <p:extLst>
+      <p:ext uri="{BB962C8B-B14F-4D97-AF65-F5344CB8AC3E}">
+        <p14:creationId xmlns:p14="http://schemas.microsoft.com/office/powerpoint/2010/main" val="884576158"/>
+      </p:ext>
+    </p:extLst>
+  </p:cSld>
+  <p:clrMapOvr>
+    <a:masterClrMapping/>
+  </p:clrMapOvr>
+</p:sld>
+</file>
+
+<file path=ppt/slides/slide16.xml><?xml version="1.0" encoding="utf-8"?>
+<p:sld xmlns:a="http://schemas.openxmlformats.org/drawingml/2006/main" xmlns:r="http://schemas.openxmlformats.org/officeDocument/2006/relationships" xmlns:p="http://schemas.openxmlformats.org/presentationml/2006/main">
+  <p:cSld>
+    <p:spTree>
+      <p:nvGrpSpPr>
+        <p:cNvPr id="1" name=""/>
+        <p:cNvGrpSpPr/>
+        <p:nvPr/>
+      </p:nvGrpSpPr>
+      <p:grpSpPr>
+        <a:xfrm>
+          <a:off x="0" y="0"/>
+          <a:ext cx="0" cy="0"/>
+          <a:chOff x="0" y="0"/>
+          <a:chExt cx="0" cy="0"/>
+        </a:xfrm>
+      </p:grpSpPr>
+      <p:sp>
+        <p:nvSpPr>
+          <p:cNvPr id="2" name="Заголовок 1">
+            <a:extLst>
+              <a:ext uri="{FF2B5EF4-FFF2-40B4-BE49-F238E27FC236}">
+                <a16:creationId xmlns:a16="http://schemas.microsoft.com/office/drawing/2014/main" id="{31447645-F61E-40D5-8820-63C2EABA0EBB}"/>
+              </a:ext>
+            </a:extLst>
+          </p:cNvPr>
+          <p:cNvSpPr>
+            <a:spLocks noGrp="1"/>
+          </p:cNvSpPr>
+          <p:nvPr>
+            <p:ph type="title"/>
+          </p:nvPr>
+        </p:nvSpPr>
+        <p:spPr/>
+        <p:txBody>
+          <a:bodyPr/>
+          <a:lstStyle/>
+          <a:p>
+            <a:r>
+              <a:rPr lang="ru-RU" dirty="0"/>
+              <a:t>Вопрос</a:t>
+            </a:r>
+          </a:p>
+        </p:txBody>
+      </p:sp>
+      <p:pic>
+        <p:nvPicPr>
+          <p:cNvPr id="5" name="Рисунок 4">
+            <a:extLst>
+              <a:ext uri="{FF2B5EF4-FFF2-40B4-BE49-F238E27FC236}">
+                <a16:creationId xmlns:a16="http://schemas.microsoft.com/office/drawing/2014/main" id="{68BE21DC-C81E-41E2-BE46-130FAEC8E84B}"/>
+              </a:ext>
+            </a:extLst>
+          </p:cNvPr>
+          <p:cNvPicPr>
+            <a:picLocks noChangeAspect="1"/>
+          </p:cNvPicPr>
+          <p:nvPr/>
+        </p:nvPicPr>
+        <p:blipFill>
+          <a:blip r:embed="rId2"/>
+          <a:stretch>
+            <a:fillRect/>
+          </a:stretch>
+        </p:blipFill>
+        <p:spPr>
+          <a:xfrm>
+            <a:off x="4109760" y="1990524"/>
+            <a:ext cx="3972479" cy="2876951"/>
+          </a:xfrm>
+          <a:prstGeom prst="rect">
+            <a:avLst/>
+          </a:prstGeom>
+        </p:spPr>
+      </p:pic>
+      <p:sp>
+        <p:nvSpPr>
+          <p:cNvPr id="7" name="TextBox 6">
+            <a:extLst>
+              <a:ext uri="{FF2B5EF4-FFF2-40B4-BE49-F238E27FC236}">
+                <a16:creationId xmlns:a16="http://schemas.microsoft.com/office/drawing/2014/main" id="{F8EA466F-F75E-4FB0-937E-E8BDCDA1C11C}"/>
+              </a:ext>
+            </a:extLst>
+          </p:cNvPr>
+          <p:cNvSpPr txBox="1"/>
+          <p:nvPr/>
+        </p:nvSpPr>
+        <p:spPr>
+          <a:xfrm>
+            <a:off x="3701643" y="1621192"/>
+            <a:ext cx="6094602" cy="369332"/>
+          </a:xfrm>
+          <a:prstGeom prst="rect">
+            <a:avLst/>
+          </a:prstGeom>
+          <a:noFill/>
+        </p:spPr>
+        <p:txBody>
+          <a:bodyPr wrap="square">
+            <a:spAutoFit/>
+          </a:bodyPr>
+          <a:lstStyle/>
+          <a:p>
+            <a:r>
+              <a:rPr lang="ru-RU" b="0" i="0" dirty="0">
+                <a:solidFill>
+                  <a:srgbClr val="373A3C"/>
+                </a:solidFill>
+                <a:effectLst/>
+                <a:latin typeface="OpenSans"/>
+              </a:rPr>
+              <a:t>Какая часть собаки считается хвостовой? </a:t>
+            </a:r>
+            <a:endParaRPr lang="ru-RU" dirty="0"/>
+          </a:p>
+        </p:txBody>
+      </p:sp>
+      <p:pic>
+        <p:nvPicPr>
+          <p:cNvPr id="9" name="Рисунок 8">
+            <a:extLst>
+              <a:ext uri="{FF2B5EF4-FFF2-40B4-BE49-F238E27FC236}">
+                <a16:creationId xmlns:a16="http://schemas.microsoft.com/office/drawing/2014/main" id="{E38CFB75-08EA-4AF9-8142-4EFD128B5A85}"/>
+              </a:ext>
+            </a:extLst>
+          </p:cNvPr>
+          <p:cNvPicPr>
+            <a:picLocks noChangeAspect="1"/>
+          </p:cNvPicPr>
+          <p:nvPr/>
+        </p:nvPicPr>
+        <p:blipFill>
+          <a:blip r:embed="rId3"/>
+          <a:stretch>
+            <a:fillRect/>
+          </a:stretch>
+        </p:blipFill>
+        <p:spPr>
+          <a:xfrm>
+            <a:off x="3432330" y="5016294"/>
+            <a:ext cx="6115904" cy="1476581"/>
+          </a:xfrm>
+          <a:prstGeom prst="rect">
+            <a:avLst/>
+          </a:prstGeom>
+        </p:spPr>
+      </p:pic>
+      <p:sp>
+        <p:nvSpPr>
+          <p:cNvPr id="10" name="TextBox 9">
+            <a:extLst>
+              <a:ext uri="{FF2B5EF4-FFF2-40B4-BE49-F238E27FC236}">
+                <a16:creationId xmlns:a16="http://schemas.microsoft.com/office/drawing/2014/main" id="{3DA10545-5D39-4F8F-86A6-FC8468F143F5}"/>
+              </a:ext>
+            </a:extLst>
+          </p:cNvPr>
+          <p:cNvSpPr txBox="1"/>
+          <p:nvPr/>
+        </p:nvSpPr>
+        <p:spPr>
+          <a:xfrm>
+            <a:off x="3725684" y="5754584"/>
+            <a:ext cx="997057" cy="307777"/>
+          </a:xfrm>
+          <a:prstGeom prst="rect">
+            <a:avLst/>
+          </a:prstGeom>
+          <a:solidFill>
+            <a:schemeClr val="bg1"/>
+          </a:solidFill>
+        </p:spPr>
+        <p:txBody>
+          <a:bodyPr wrap="square" rtlCol="0">
+            <a:spAutoFit/>
+          </a:bodyPr>
+          <a:lstStyle/>
+          <a:p>
+            <a:r>
+              <a:rPr lang="ru-RU" sz="1400" dirty="0">
+                <a:solidFill>
+                  <a:srgbClr val="8E9091"/>
+                </a:solidFill>
+              </a:rPr>
+              <a:t>Грудь</a:t>
+            </a:r>
+          </a:p>
+        </p:txBody>
+      </p:sp>
+      <p:pic>
+        <p:nvPicPr>
+          <p:cNvPr id="4" name="Рисунок 3">
+            <a:extLst>
+              <a:ext uri="{FF2B5EF4-FFF2-40B4-BE49-F238E27FC236}">
+                <a16:creationId xmlns:a16="http://schemas.microsoft.com/office/drawing/2014/main" id="{972C070B-B0B2-4F76-84F9-CAC2447CED8C}"/>
+              </a:ext>
+            </a:extLst>
+          </p:cNvPr>
+          <p:cNvPicPr>
+            <a:picLocks noChangeAspect="1"/>
+          </p:cNvPicPr>
+          <p:nvPr/>
+        </p:nvPicPr>
+        <p:blipFill>
+          <a:blip r:embed="rId4"/>
+          <a:stretch>
+            <a:fillRect/>
+          </a:stretch>
+        </p:blipFill>
+        <p:spPr>
+          <a:xfrm>
+            <a:off x="3464413" y="5413437"/>
+            <a:ext cx="295316" cy="266737"/>
+          </a:xfrm>
+          <a:prstGeom prst="rect">
+            <a:avLst/>
+          </a:prstGeom>
+        </p:spPr>
+      </p:pic>
+    </p:spTree>
+    <p:extLst>
+      <p:ext uri="{BB962C8B-B14F-4D97-AF65-F5344CB8AC3E}">
+        <p14:creationId xmlns:p14="http://schemas.microsoft.com/office/powerpoint/2010/main" val="1642660419"/>
+      </p:ext>
+    </p:extLst>
+  </p:cSld>
+  <p:clrMapOvr>
+    <a:masterClrMapping/>
+  </p:clrMapOvr>
+</p:sld>
+</file>
+
+<file path=ppt/slides/slide17.xml><?xml version="1.0" encoding="utf-8"?>
+<p:sld xmlns:a="http://schemas.openxmlformats.org/drawingml/2006/main" xmlns:r="http://schemas.openxmlformats.org/officeDocument/2006/relationships" xmlns:p="http://schemas.openxmlformats.org/presentationml/2006/main">
+  <p:cSld>
+    <p:spTree>
+      <p:nvGrpSpPr>
+        <p:cNvPr id="1" name=""/>
+        <p:cNvGrpSpPr/>
+        <p:nvPr/>
+      </p:nvGrpSpPr>
+      <p:grpSpPr>
+        <a:xfrm>
+          <a:off x="0" y="0"/>
+          <a:ext cx="0" cy="0"/>
+          <a:chOff x="0" y="0"/>
+          <a:chExt cx="0" cy="0"/>
+        </a:xfrm>
+      </p:grpSpPr>
+      <p:sp>
+        <p:nvSpPr>
+          <p:cNvPr id="2" name="Заголовок 1">
+            <a:extLst>
+              <a:ext uri="{FF2B5EF4-FFF2-40B4-BE49-F238E27FC236}">
+                <a16:creationId xmlns:a16="http://schemas.microsoft.com/office/drawing/2014/main" id="{45497637-4286-44BE-993A-A8BED97F774E}"/>
+              </a:ext>
+            </a:extLst>
+          </p:cNvPr>
+          <p:cNvSpPr>
+            <a:spLocks noGrp="1"/>
+          </p:cNvSpPr>
+          <p:nvPr>
+            <p:ph type="title"/>
+          </p:nvPr>
+        </p:nvSpPr>
+        <p:spPr/>
+        <p:txBody>
+          <a:bodyPr/>
+          <a:lstStyle/>
+          <a:p>
+            <a:r>
+              <a:rPr lang="ru-RU" dirty="0"/>
+              <a:t>Вопрос</a:t>
+            </a:r>
+          </a:p>
+        </p:txBody>
+      </p:sp>
+      <p:pic>
+        <p:nvPicPr>
+          <p:cNvPr id="5" name="Рисунок 4">
+            <a:extLst>
+              <a:ext uri="{FF2B5EF4-FFF2-40B4-BE49-F238E27FC236}">
+                <a16:creationId xmlns:a16="http://schemas.microsoft.com/office/drawing/2014/main" id="{6D311A84-161D-4EA5-8F11-838ADD124CCD}"/>
+              </a:ext>
+            </a:extLst>
+          </p:cNvPr>
+          <p:cNvPicPr>
+            <a:picLocks noChangeAspect="1"/>
+          </p:cNvPicPr>
+          <p:nvPr/>
+        </p:nvPicPr>
+        <p:blipFill>
+          <a:blip r:embed="rId2"/>
+          <a:stretch>
+            <a:fillRect/>
+          </a:stretch>
+        </p:blipFill>
+        <p:spPr>
+          <a:xfrm>
+            <a:off x="3395285" y="2395393"/>
+            <a:ext cx="5401429" cy="2067213"/>
+          </a:xfrm>
+          <a:prstGeom prst="rect">
+            <a:avLst/>
+          </a:prstGeom>
+        </p:spPr>
+      </p:pic>
+      <p:sp>
+        <p:nvSpPr>
+          <p:cNvPr id="6" name="TextBox 5">
+            <a:extLst>
+              <a:ext uri="{FF2B5EF4-FFF2-40B4-BE49-F238E27FC236}">
+                <a16:creationId xmlns:a16="http://schemas.microsoft.com/office/drawing/2014/main" id="{A3982C05-FF2D-4CFA-A27D-DC0A55FDE34A}"/>
+              </a:ext>
+            </a:extLst>
+          </p:cNvPr>
+          <p:cNvSpPr txBox="1"/>
+          <p:nvPr/>
+        </p:nvSpPr>
+        <p:spPr>
+          <a:xfrm>
+            <a:off x="3679738" y="3591571"/>
+            <a:ext cx="2300438" cy="276999"/>
+          </a:xfrm>
+          <a:prstGeom prst="rect">
+            <a:avLst/>
+          </a:prstGeom>
+          <a:solidFill>
+            <a:schemeClr val="bg1"/>
+          </a:solidFill>
+        </p:spPr>
+        <p:txBody>
+          <a:bodyPr wrap="square" rtlCol="0">
+            <a:spAutoFit/>
+          </a:bodyPr>
+          <a:lstStyle/>
+          <a:p>
+            <a:r>
+              <a:rPr lang="ru-RU" sz="1200" dirty="0">
+                <a:solidFill>
+                  <a:srgbClr val="7E7F81"/>
+                </a:solidFill>
+              </a:rPr>
+              <a:t>Постериальный</a:t>
+            </a:r>
+          </a:p>
+        </p:txBody>
+      </p:sp>
+    </p:spTree>
+    <p:extLst>
+      <p:ext uri="{BB962C8B-B14F-4D97-AF65-F5344CB8AC3E}">
+        <p14:creationId xmlns:p14="http://schemas.microsoft.com/office/powerpoint/2010/main" val="1685753156"/>
+      </p:ext>
+    </p:extLst>
+  </p:cSld>
+  <p:clrMapOvr>
+    <a:masterClrMapping/>
+  </p:clrMapOvr>
+</p:sld>
+</file>
+
+<file path=ppt/slides/slide18.xml><?xml version="1.0" encoding="utf-8"?>
+<p:sld xmlns:a="http://schemas.openxmlformats.org/drawingml/2006/main" xmlns:r="http://schemas.openxmlformats.org/officeDocument/2006/relationships" xmlns:p="http://schemas.openxmlformats.org/presentationml/2006/main">
+  <p:cSld>
+    <p:spTree>
+      <p:nvGrpSpPr>
+        <p:cNvPr id="1" name=""/>
+        <p:cNvGrpSpPr/>
+        <p:nvPr/>
+      </p:nvGrpSpPr>
+      <p:grpSpPr>
+        <a:xfrm>
+          <a:off x="0" y="0"/>
+          <a:ext cx="0" cy="0"/>
+          <a:chOff x="0" y="0"/>
+          <a:chExt cx="0" cy="0"/>
+        </a:xfrm>
+      </p:grpSpPr>
+      <p:sp>
+        <p:nvSpPr>
+          <p:cNvPr id="2" name="Заголовок 1">
+            <a:extLst>
+              <a:ext uri="{FF2B5EF4-FFF2-40B4-BE49-F238E27FC236}">
+                <a16:creationId xmlns:a16="http://schemas.microsoft.com/office/drawing/2014/main" id="{45497637-4286-44BE-993A-A8BED97F774E}"/>
+              </a:ext>
+            </a:extLst>
+          </p:cNvPr>
+          <p:cNvSpPr>
+            <a:spLocks noGrp="1"/>
+          </p:cNvSpPr>
+          <p:nvPr>
+            <p:ph type="title"/>
+          </p:nvPr>
+        </p:nvSpPr>
+        <p:spPr/>
+        <p:txBody>
+          <a:bodyPr/>
+          <a:lstStyle/>
+          <a:p>
+            <a:r>
+              <a:rPr lang="ru-RU" dirty="0"/>
+              <a:t>Ответ</a:t>
+            </a:r>
+          </a:p>
+        </p:txBody>
+      </p:sp>
+      <p:pic>
+        <p:nvPicPr>
+          <p:cNvPr id="5" name="Рисунок 4">
+            <a:extLst>
+              <a:ext uri="{FF2B5EF4-FFF2-40B4-BE49-F238E27FC236}">
+                <a16:creationId xmlns:a16="http://schemas.microsoft.com/office/drawing/2014/main" id="{6D311A84-161D-4EA5-8F11-838ADD124CCD}"/>
+              </a:ext>
+            </a:extLst>
+          </p:cNvPr>
+          <p:cNvPicPr>
+            <a:picLocks noChangeAspect="1"/>
+          </p:cNvPicPr>
+          <p:nvPr/>
+        </p:nvPicPr>
+        <p:blipFill>
+          <a:blip r:embed="rId2"/>
+          <a:stretch>
+            <a:fillRect/>
+          </a:stretch>
+        </p:blipFill>
+        <p:spPr>
+          <a:xfrm>
+            <a:off x="3395285" y="2395393"/>
+            <a:ext cx="5401429" cy="2067213"/>
+          </a:xfrm>
+          <a:prstGeom prst="rect">
+            <a:avLst/>
+          </a:prstGeom>
+        </p:spPr>
+      </p:pic>
+      <p:sp>
+        <p:nvSpPr>
+          <p:cNvPr id="6" name="TextBox 5">
+            <a:extLst>
+              <a:ext uri="{FF2B5EF4-FFF2-40B4-BE49-F238E27FC236}">
+                <a16:creationId xmlns:a16="http://schemas.microsoft.com/office/drawing/2014/main" id="{A3982C05-FF2D-4CFA-A27D-DC0A55FDE34A}"/>
+              </a:ext>
+            </a:extLst>
+          </p:cNvPr>
+          <p:cNvSpPr txBox="1"/>
+          <p:nvPr/>
+        </p:nvSpPr>
+        <p:spPr>
+          <a:xfrm>
+            <a:off x="3679738" y="3591571"/>
+            <a:ext cx="2300438" cy="276999"/>
+          </a:xfrm>
+          <a:prstGeom prst="rect">
+            <a:avLst/>
+          </a:prstGeom>
+          <a:solidFill>
+            <a:schemeClr val="bg1"/>
+          </a:solidFill>
+        </p:spPr>
+        <p:txBody>
+          <a:bodyPr wrap="square" rtlCol="0">
+            <a:spAutoFit/>
+          </a:bodyPr>
+          <a:lstStyle/>
+          <a:p>
+            <a:r>
+              <a:rPr lang="ru-RU" sz="1200" dirty="0">
+                <a:solidFill>
+                  <a:srgbClr val="7E7F81"/>
+                </a:solidFill>
+              </a:rPr>
+              <a:t>Постериальный</a:t>
+            </a:r>
+          </a:p>
+        </p:txBody>
+      </p:sp>
+      <p:pic>
+        <p:nvPicPr>
+          <p:cNvPr id="8" name="Рисунок 7">
+            <a:extLst>
+              <a:ext uri="{FF2B5EF4-FFF2-40B4-BE49-F238E27FC236}">
+                <a16:creationId xmlns:a16="http://schemas.microsoft.com/office/drawing/2014/main" id="{40BC3A39-E1D3-48B4-BFC9-031B01A0D002}"/>
+              </a:ext>
+            </a:extLst>
+          </p:cNvPr>
+          <p:cNvPicPr>
+            <a:picLocks noChangeAspect="1"/>
+          </p:cNvPicPr>
+          <p:nvPr/>
+        </p:nvPicPr>
+        <p:blipFill>
+          <a:blip r:embed="rId3"/>
+          <a:stretch>
+            <a:fillRect/>
+          </a:stretch>
+        </p:blipFill>
+        <p:spPr>
+          <a:xfrm>
+            <a:off x="3425765" y="2845822"/>
+            <a:ext cx="285790" cy="314369"/>
+          </a:xfrm>
+          <a:prstGeom prst="rect">
+            <a:avLst/>
+          </a:prstGeom>
+        </p:spPr>
+      </p:pic>
+    </p:spTree>
+    <p:extLst>
+      <p:ext uri="{BB962C8B-B14F-4D97-AF65-F5344CB8AC3E}">
+        <p14:creationId xmlns:p14="http://schemas.microsoft.com/office/powerpoint/2010/main" val="3148584833"/>
+      </p:ext>
+    </p:extLst>
+  </p:cSld>
+  <p:clrMapOvr>
+    <a:masterClrMapping/>
+  </p:clrMapOvr>
+</p:sld>
+</file>
+
+<file path=ppt/slides/slide19.xml><?xml version="1.0" encoding="utf-8"?>
+<p:sld xmlns:a="http://schemas.openxmlformats.org/drawingml/2006/main" xmlns:r="http://schemas.openxmlformats.org/officeDocument/2006/relationships" xmlns:p="http://schemas.openxmlformats.org/presentationml/2006/main">
+  <p:cSld>
+    <p:spTree>
+      <p:nvGrpSpPr>
+        <p:cNvPr id="1" name=""/>
+        <p:cNvGrpSpPr/>
+        <p:nvPr/>
+      </p:nvGrpSpPr>
+      <p:grpSpPr>
+        <a:xfrm>
+          <a:off x="0" y="0"/>
+          <a:ext cx="0" cy="0"/>
+          <a:chOff x="0" y="0"/>
+          <a:chExt cx="0" cy="0"/>
+        </a:xfrm>
+      </p:grpSpPr>
+      <p:sp>
+        <p:nvSpPr>
+          <p:cNvPr id="2" name="Заголовок 1">
+            <a:extLst>
+              <a:ext uri="{FF2B5EF4-FFF2-40B4-BE49-F238E27FC236}">
+                <a16:creationId xmlns:a16="http://schemas.microsoft.com/office/drawing/2014/main" id="{1E9E8DBF-C57F-4751-B0A2-EC84CCBBF6DF}"/>
+              </a:ext>
+            </a:extLst>
+          </p:cNvPr>
+          <p:cNvSpPr>
+            <a:spLocks noGrp="1"/>
+          </p:cNvSpPr>
+          <p:nvPr>
+            <p:ph type="title"/>
+          </p:nvPr>
+        </p:nvSpPr>
+        <p:spPr/>
+        <p:txBody>
+          <a:bodyPr/>
+          <a:lstStyle/>
+          <a:p>
+            <a:r>
+              <a:rPr lang="ru-RU" dirty="0"/>
+              <a:t>Обсуждение</a:t>
+            </a:r>
+          </a:p>
+        </p:txBody>
+      </p:sp>
+      <p:sp>
+        <p:nvSpPr>
+          <p:cNvPr id="5" name="TextBox 4">
+            <a:extLst>
+              <a:ext uri="{FF2B5EF4-FFF2-40B4-BE49-F238E27FC236}">
+                <a16:creationId xmlns:a16="http://schemas.microsoft.com/office/drawing/2014/main" id="{4A058BE8-5C5F-4FEA-97FB-612D05CE4EEE}"/>
+              </a:ext>
+            </a:extLst>
+          </p:cNvPr>
+          <p:cNvSpPr txBox="1"/>
+          <p:nvPr/>
+        </p:nvSpPr>
+        <p:spPr>
+          <a:xfrm>
+            <a:off x="3048802" y="2692742"/>
+            <a:ext cx="6097604" cy="1754326"/>
+          </a:xfrm>
+          <a:prstGeom prst="rect">
+            <a:avLst/>
+          </a:prstGeom>
+          <a:noFill/>
+        </p:spPr>
+        <p:txBody>
+          <a:bodyPr wrap="square">
+            <a:spAutoFit/>
+          </a:bodyPr>
+          <a:lstStyle/>
+          <a:p>
+            <a:pPr algn="ctr"/>
+            <a:r>
+              <a:rPr lang="ru-RU" b="1" i="0" dirty="0">
+                <a:solidFill>
+                  <a:srgbClr val="1F1F1F"/>
+                </a:solidFill>
+                <a:effectLst/>
+                <a:latin typeface="OpenSans-Light"/>
+              </a:rPr>
+              <a:t>Опишите место</a:t>
+            </a:r>
+          </a:p>
+          <a:p>
+            <a:pPr algn="l"/>
+            <a:endParaRPr lang="ru-RU" b="0" i="0" dirty="0">
+              <a:solidFill>
+                <a:srgbClr val="1F1F1F"/>
+              </a:solidFill>
+              <a:effectLst/>
+              <a:latin typeface="OpenSans"/>
+            </a:endParaRPr>
+          </a:p>
+          <a:p>
+            <a:pPr algn="l"/>
+            <a:r>
+              <a:rPr lang="ru-RU" b="0" i="0" dirty="0">
+                <a:solidFill>
+                  <a:srgbClr val="1F1F1F"/>
+                </a:solidFill>
+                <a:effectLst/>
+                <a:latin typeface="OpenSans"/>
+              </a:rPr>
+              <a:t>Используя терминологию МРТ, как лучше всего описать местонахождение глаза относительно спинного мозга? Имеет ли значение плоскость или ориентация для ваше описание?</a:t>
+            </a:r>
+          </a:p>
+        </p:txBody>
+      </p:sp>
+    </p:spTree>
+    <p:extLst>
+      <p:ext uri="{BB962C8B-B14F-4D97-AF65-F5344CB8AC3E}">
+        <p14:creationId xmlns:p14="http://schemas.microsoft.com/office/powerpoint/2010/main" val="3179297791"/>
+      </p:ext>
+    </p:extLst>
+  </p:cSld>
+  <p:clrMapOvr>
+    <a:masterClrMapping/>
+  </p:clrMapOvr>
+</p:sld>
+</file>
+
 <file path=ppt/slides/slide2.xml><?xml version="1.0" encoding="utf-8"?>
 <p:sld xmlns:a="http://schemas.openxmlformats.org/drawingml/2006/main" xmlns:r="http://schemas.openxmlformats.org/officeDocument/2006/relationships" xmlns:p="http://schemas.openxmlformats.org/presentationml/2006/main">
   <p:cSld>
